--- a/docs/Análisis Predictivo Reclamos.pptx
+++ b/docs/Análisis Predictivo Reclamos.pptx
@@ -119,6 +119,133 @@
     </p:ext>
   </p:extLst>
 </p:presentation>
+</file>
+
+<file path=ppt/revisionInfo.xml><?xml version="1.0" encoding="utf-8"?>
+<p1510:revInfo xmlns:a="http://schemas.openxmlformats.org/drawingml/2006/main" xmlns:r="http://schemas.openxmlformats.org/officeDocument/2006/relationships" xmlns:p1510="http://schemas.microsoft.com/office/powerpoint/2015/10/main">
+  <p1510:revLst>
+    <p1510:client id="{DC7D1751-0969-4423-8BF9-F06B3FC6A965}" v="1" dt="2026-02-03T15:21:44.495"/>
+  </p1510:revLst>
+</p1510:revInfo>
+</file>
+
+<file path=ppt/changesInfos/changesInfo1.xml><?xml version="1.0" encoding="utf-8"?>
+<pc:chgInfo xmlns:a="http://schemas.openxmlformats.org/drawingml/2006/main" xmlns:r="http://schemas.openxmlformats.org/officeDocument/2006/relationships" xmlns:ac="http://schemas.microsoft.com/office/drawing/2013/main/command" xmlns:pc="http://schemas.microsoft.com/office/powerpoint/2013/main/command">
+  <pc:docChgLst>
+    <pc:chgData name="Alexis Abreu Garzon" userId="3d2b20639e58ecda" providerId="LiveId" clId="{CC729043-25EA-4A87-922E-00E0D062D0ED}"/>
+    <pc:docChg chg="custSel modSld">
+      <pc:chgData name="Alexis Abreu Garzon" userId="3d2b20639e58ecda" providerId="LiveId" clId="{CC729043-25EA-4A87-922E-00E0D062D0ED}" dt="2026-02-03T15:28:03.705" v="616" actId="20577"/>
+      <pc:docMkLst>
+        <pc:docMk/>
+      </pc:docMkLst>
+      <pc:sldChg chg="modSp mod">
+        <pc:chgData name="Alexis Abreu Garzon" userId="3d2b20639e58ecda" providerId="LiveId" clId="{CC729043-25EA-4A87-922E-00E0D062D0ED}" dt="2026-02-03T15:21:06.800" v="214" actId="6549"/>
+        <pc:sldMkLst>
+          <pc:docMk/>
+          <pc:sldMk cId="0" sldId="259"/>
+        </pc:sldMkLst>
+        <pc:spChg chg="mod">
+          <ac:chgData name="Alexis Abreu Garzon" userId="3d2b20639e58ecda" providerId="LiveId" clId="{CC729043-25EA-4A87-922E-00E0D062D0ED}" dt="2026-02-03T15:21:06.800" v="214" actId="6549"/>
+          <ac:spMkLst>
+            <pc:docMk/>
+            <pc:sldMk cId="0" sldId="259"/>
+            <ac:spMk id="13" creationId="{A4DBB7DB-3FC9-397A-C681-EC382CE6F19D}"/>
+          </ac:spMkLst>
+        </pc:spChg>
+      </pc:sldChg>
+      <pc:sldChg chg="modSp mod">
+        <pc:chgData name="Alexis Abreu Garzon" userId="3d2b20639e58ecda" providerId="LiveId" clId="{CC729043-25EA-4A87-922E-00E0D062D0ED}" dt="2026-02-03T15:20:13.381" v="114" actId="5793"/>
+        <pc:sldMkLst>
+          <pc:docMk/>
+          <pc:sldMk cId="1519301821" sldId="270"/>
+        </pc:sldMkLst>
+        <pc:spChg chg="mod">
+          <ac:chgData name="Alexis Abreu Garzon" userId="3d2b20639e58ecda" providerId="LiveId" clId="{CC729043-25EA-4A87-922E-00E0D062D0ED}" dt="2026-02-03T15:20:13.381" v="114" actId="5793"/>
+          <ac:spMkLst>
+            <pc:docMk/>
+            <pc:sldMk cId="1519301821" sldId="270"/>
+            <ac:spMk id="8" creationId="{642BCEBF-EB8B-E413-414E-BF4002629B41}"/>
+          </ac:spMkLst>
+        </pc:spChg>
+      </pc:sldChg>
+      <pc:sldChg chg="addSp modSp mod">
+        <pc:chgData name="Alexis Abreu Garzon" userId="3d2b20639e58ecda" providerId="LiveId" clId="{CC729043-25EA-4A87-922E-00E0D062D0ED}" dt="2026-02-03T15:23:40.888" v="519" actId="20577"/>
+        <pc:sldMkLst>
+          <pc:docMk/>
+          <pc:sldMk cId="4254256239" sldId="271"/>
+        </pc:sldMkLst>
+        <pc:spChg chg="add mod">
+          <ac:chgData name="Alexis Abreu Garzon" userId="3d2b20639e58ecda" providerId="LiveId" clId="{CC729043-25EA-4A87-922E-00E0D062D0ED}" dt="2026-02-03T15:23:40.888" v="519" actId="20577"/>
+          <ac:spMkLst>
+            <pc:docMk/>
+            <pc:sldMk cId="4254256239" sldId="271"/>
+            <ac:spMk id="6" creationId="{155D21BE-E205-AC49-2A87-25BCFFA34453}"/>
+          </ac:spMkLst>
+        </pc:spChg>
+      </pc:sldChg>
+      <pc:sldChg chg="modSp mod">
+        <pc:chgData name="Alexis Abreu Garzon" userId="3d2b20639e58ecda" providerId="LiveId" clId="{CC729043-25EA-4A87-922E-00E0D062D0ED}" dt="2026-02-03T15:24:05.958" v="536" actId="20577"/>
+        <pc:sldMkLst>
+          <pc:docMk/>
+          <pc:sldMk cId="847285734" sldId="272"/>
+        </pc:sldMkLst>
+        <pc:spChg chg="mod">
+          <ac:chgData name="Alexis Abreu Garzon" userId="3d2b20639e58ecda" providerId="LiveId" clId="{CC729043-25EA-4A87-922E-00E0D062D0ED}" dt="2026-02-03T15:24:05.958" v="536" actId="20577"/>
+          <ac:spMkLst>
+            <pc:docMk/>
+            <pc:sldMk cId="847285734" sldId="272"/>
+            <ac:spMk id="3" creationId="{40483E98-156F-8174-0B5F-25232BA74E2A}"/>
+          </ac:spMkLst>
+        </pc:spChg>
+      </pc:sldChg>
+      <pc:sldChg chg="modSp mod">
+        <pc:chgData name="Alexis Abreu Garzon" userId="3d2b20639e58ecda" providerId="LiveId" clId="{CC729043-25EA-4A87-922E-00E0D062D0ED}" dt="2026-02-03T15:25:07.184" v="537" actId="20577"/>
+        <pc:sldMkLst>
+          <pc:docMk/>
+          <pc:sldMk cId="289815902" sldId="273"/>
+        </pc:sldMkLst>
+        <pc:spChg chg="mod">
+          <ac:chgData name="Alexis Abreu Garzon" userId="3d2b20639e58ecda" providerId="LiveId" clId="{CC729043-25EA-4A87-922E-00E0D062D0ED}" dt="2026-02-03T15:25:07.184" v="537" actId="20577"/>
+          <ac:spMkLst>
+            <pc:docMk/>
+            <pc:sldMk cId="289815902" sldId="273"/>
+            <ac:spMk id="6" creationId="{542AFF2E-5516-5D7E-5F90-C21BF6E5C03F}"/>
+          </ac:spMkLst>
+        </pc:spChg>
+      </pc:sldChg>
+      <pc:sldChg chg="modSp mod">
+        <pc:chgData name="Alexis Abreu Garzon" userId="3d2b20639e58ecda" providerId="LiveId" clId="{CC729043-25EA-4A87-922E-00E0D062D0ED}" dt="2026-02-03T15:26:01.482" v="603" actId="313"/>
+        <pc:sldMkLst>
+          <pc:docMk/>
+          <pc:sldMk cId="1483661385" sldId="274"/>
+        </pc:sldMkLst>
+        <pc:spChg chg="mod">
+          <ac:chgData name="Alexis Abreu Garzon" userId="3d2b20639e58ecda" providerId="LiveId" clId="{CC729043-25EA-4A87-922E-00E0D062D0ED}" dt="2026-02-03T15:26:01.482" v="603" actId="313"/>
+          <ac:spMkLst>
+            <pc:docMk/>
+            <pc:sldMk cId="1483661385" sldId="274"/>
+            <ac:spMk id="9" creationId="{B7D8675C-CEE6-4D8D-8C0F-21D6C2DD264E}"/>
+          </ac:spMkLst>
+        </pc:spChg>
+      </pc:sldChg>
+      <pc:sldChg chg="modSp mod">
+        <pc:chgData name="Alexis Abreu Garzon" userId="3d2b20639e58ecda" providerId="LiveId" clId="{CC729043-25EA-4A87-922E-00E0D062D0ED}" dt="2026-02-03T15:28:03.705" v="616" actId="20577"/>
+        <pc:sldMkLst>
+          <pc:docMk/>
+          <pc:sldMk cId="3848706261" sldId="275"/>
+        </pc:sldMkLst>
+        <pc:spChg chg="mod">
+          <ac:chgData name="Alexis Abreu Garzon" userId="3d2b20639e58ecda" providerId="LiveId" clId="{CC729043-25EA-4A87-922E-00E0D062D0ED}" dt="2026-02-03T15:28:03.705" v="616" actId="20577"/>
+          <ac:spMkLst>
+            <pc:docMk/>
+            <pc:sldMk cId="3848706261" sldId="275"/>
+            <ac:spMk id="9" creationId="{B09323C0-32D2-C03D-996F-BF589688972C}"/>
+          </ac:spMkLst>
+        </pc:spChg>
+      </pc:sldChg>
+    </pc:docChg>
+  </pc:docChgLst>
+</pc:chgInfo>
 </file>
 
 <file path=ppt/notesMasters/notesMaster1.xml><?xml version="1.0" encoding="utf-8"?>
@@ -2220,7 +2347,7 @@
         <p:spPr>
           <a:xfrm>
             <a:off x="524784" y="1427947"/>
-            <a:ext cx="5571858" cy="2906159"/>
+            <a:ext cx="8238826" cy="3436661"/>
           </a:xfrm>
           <a:prstGeom prst="rect">
             <a:avLst/>
@@ -2228,7 +2355,7 @@
         </p:spPr>
         <p:txBody>
           <a:bodyPr vert="horz" lIns="91440" tIns="45720" rIns="91440" bIns="45720" rtlCol="0" anchor="ctr">
-            <a:normAutofit fontScale="92500" lnSpcReduction="10000"/>
+            <a:normAutofit/>
           </a:bodyPr>
           <a:lstStyle/>
           <a:p>
@@ -2312,19 +2439,7 @@
               <a:rPr lang="es-CO" sz="1100" dirty="0">
                 <a:cs typeface="Arial" panose="020B0604020202020204" pitchFamily="34" charset="0"/>
               </a:rPr>
-              <a:t>) si se toman decisiones de tarificación basadas únicamente en este </a:t>
-            </a:r>
-            <a:r>
-              <a:rPr lang="es-CO" sz="1100" dirty="0" err="1">
-                <a:cs typeface="Arial" panose="020B0604020202020204" pitchFamily="34" charset="0"/>
-              </a:rPr>
-              <a:t>modelo.Metodología</a:t>
-            </a:r>
-            <a:r>
-              <a:rPr lang="es-CO" sz="1100" dirty="0">
-                <a:cs typeface="Arial" panose="020B0604020202020204" pitchFamily="34" charset="0"/>
-              </a:rPr>
-              <a:t> como Salvaguarda: La aplicación de CRISP-DM permitió detener el proceso en la fase de Evaluación antes de comprometer recursos en un despliegue fallido, protegiendo así el ROI de la Gerencia de Data &amp; Analítica.</a:t>
+              <a:t>) si se toman decisiones de tarificación basadas únicamente en este modelo.</a:t>
             </a:r>
           </a:p>
           <a:p>
@@ -2342,43 +2457,73 @@
               <a:buChar char="•"/>
             </a:pPr>
             <a:r>
-              <a:rPr lang="es-CO" sz="1000" dirty="0">
+              <a:rPr lang="es-CO" sz="1100" dirty="0">
+                <a:cs typeface="Arial" panose="020B0604020202020204" pitchFamily="34" charset="0"/>
+              </a:rPr>
+              <a:t>Metodología como Salvaguarda: La aplicación de CRISP-DM permitió detener el proceso en la fase de Evaluación antes de comprometer recursos en un </a:t>
+            </a:r>
+            <a:r>
+              <a:rPr lang="es-CO" sz="1100">
+                <a:cs typeface="Arial" panose="020B0604020202020204" pitchFamily="34" charset="0"/>
+              </a:rPr>
+              <a:t>despliegue fallido.</a:t>
+            </a:r>
+            <a:endParaRPr lang="es-CO" sz="1100" dirty="0">
+              <a:cs typeface="Arial" panose="020B0604020202020204" pitchFamily="34" charset="0"/>
+            </a:endParaRPr>
+          </a:p>
+          <a:p>
+            <a:pPr marL="171450" indent="-171450" algn="just">
+              <a:buFont typeface="Arial" panose="020B0604020202020204" pitchFamily="34" charset="0"/>
+              <a:buChar char="•"/>
+            </a:pPr>
+            <a:endParaRPr lang="es-CO" sz="1100" dirty="0">
+              <a:cs typeface="Arial" panose="020B0604020202020204" pitchFamily="34" charset="0"/>
+            </a:endParaRPr>
+          </a:p>
+          <a:p>
+            <a:pPr marL="171450" indent="-171450" algn="just">
+              <a:buFont typeface="Arial" panose="020B0604020202020204" pitchFamily="34" charset="0"/>
+              <a:buChar char="•"/>
+            </a:pPr>
+            <a:r>
+              <a:rPr lang="es-CO" sz="1100" dirty="0">
                 <a:cs typeface="Arial" panose="020B0604020202020204" pitchFamily="34" charset="0"/>
               </a:rPr>
               <a:t>Ruido en los KPI: Aunque el </a:t>
             </a:r>
             <a:r>
-              <a:rPr lang="es-CO" sz="1000" dirty="0" err="1">
+              <a:rPr lang="es-CO" sz="1100" dirty="0" err="1">
                 <a:cs typeface="Arial" panose="020B0604020202020204" pitchFamily="34" charset="0"/>
               </a:rPr>
               <a:t>lif</a:t>
             </a:r>
             <a:r>
-              <a:rPr lang="es-CO" sz="1000" dirty="0">
+              <a:rPr lang="es-CO" sz="1100" dirty="0">
                 <a:cs typeface="Arial" panose="020B0604020202020204" pitchFamily="34" charset="0"/>
               </a:rPr>
               <a:t> @ k de 1.55  es moderado y el </a:t>
             </a:r>
             <a:r>
-              <a:rPr lang="es-CO" sz="1000" dirty="0" err="1">
+              <a:rPr lang="es-CO" sz="1100" dirty="0" err="1">
                 <a:cs typeface="Arial" panose="020B0604020202020204" pitchFamily="34" charset="0"/>
               </a:rPr>
               <a:t>recall</a:t>
             </a:r>
             <a:r>
-              <a:rPr lang="es-CO" sz="1000" dirty="0">
+              <a:rPr lang="es-CO" sz="1100" dirty="0">
                 <a:cs typeface="Arial" panose="020B0604020202020204" pitchFamily="34" charset="0"/>
               </a:rPr>
               <a:t>  @ k mejora un 11% respecto al </a:t>
             </a:r>
             <a:r>
-              <a:rPr lang="es-CO" sz="1000" dirty="0" err="1">
+              <a:rPr lang="es-CO" sz="1100" dirty="0" err="1">
                 <a:cs typeface="Arial" panose="020B0604020202020204" pitchFamily="34" charset="0"/>
               </a:rPr>
               <a:t>baseline</a:t>
             </a:r>
             <a:r>
-              <a:rPr lang="es-CO" sz="1000" dirty="0">
+              <a:rPr lang="es-CO" sz="1100" dirty="0">
                 <a:cs typeface="Arial" panose="020B0604020202020204" pitchFamily="34" charset="0"/>
               </a:rPr>
               <a:t>, la cantidad de falsos positivos representa un problema que afecta la operatividad de manera inaceptable.</a:t>
@@ -4977,7 +5122,7 @@
         </p:spPr>
         <p:txBody>
           <a:bodyPr vert="horz" lIns="91440" tIns="45720" rIns="91440" bIns="45720" rtlCol="0" anchor="ctr">
-            <a:normAutofit lnSpcReduction="10000"/>
+            <a:normAutofit fontScale="92500" lnSpcReduction="20000"/>
           </a:bodyPr>
           <a:lstStyle/>
           <a:p>
@@ -5027,7 +5172,7 @@
             </a:r>
             <a:r>
               <a:rPr lang="en-US" sz="1400" dirty="0" err="1"/>
-              <a:t>univariadas</a:t>
+              <a:t>correlaciones</a:t>
             </a:r>
             <a:r>
               <a:rPr lang="en-US" sz="1400" dirty="0"/>
@@ -5055,19 +5200,19 @@
             </a:r>
             <a:r>
               <a:rPr lang="en-US" sz="1400" dirty="0"/>
-              <a:t>. </a:t>
+              <a:t>. Esta </a:t>
             </a:r>
             <a:r>
               <a:rPr lang="en-US" sz="1400" dirty="0" err="1"/>
-              <a:t>correlaciones</a:t>
+              <a:t>importancia</a:t>
             </a:r>
             <a:r>
               <a:rPr lang="en-US" sz="1400" dirty="0"/>
-              <a:t> Esto </a:t>
+              <a:t> </a:t>
             </a:r>
             <a:r>
               <a:rPr lang="en-US" sz="1400" dirty="0" err="1"/>
-              <a:t>seberá</a:t>
+              <a:t>deberá</a:t>
             </a:r>
             <a:r>
               <a:rPr lang="en-US" sz="1400" dirty="0"/>
@@ -5075,7 +5220,7 @@
             </a:r>
             <a:r>
               <a:rPr lang="en-US" sz="1400" dirty="0" err="1"/>
-              <a:t>confirmadfo</a:t>
+              <a:t>confirmada</a:t>
             </a:r>
             <a:r>
               <a:rPr lang="en-US" sz="1400" dirty="0"/>
@@ -5091,7 +5236,7 @@
             </a:r>
             <a:r>
               <a:rPr lang="en-US" sz="1400" dirty="0" err="1"/>
-              <a:t>estadisticos</a:t>
+              <a:t>estadísticos</a:t>
             </a:r>
             <a:r>
               <a:rPr lang="en-US" sz="1400" dirty="0"/>
@@ -5107,11 +5252,11 @@
             </a:r>
             <a:r>
               <a:rPr lang="en-US" sz="1400" dirty="0" err="1"/>
-              <a:t>avanzados</a:t>
+              <a:t>avánzados</a:t>
             </a:r>
             <a:r>
               <a:rPr lang="en-US" sz="1400" dirty="0"/>
-              <a:t>.</a:t>
+              <a:t> (mutual information, permutation analysis).</a:t>
             </a:r>
           </a:p>
           <a:p>
@@ -5716,11 +5861,11 @@
             </a:r>
             <a:r>
               <a:rPr lang="en-US" sz="1300" dirty="0"/>
-              <a:t>, </a:t>
+              <a:t>, sin </a:t>
             </a:r>
             <a:r>
               <a:rPr lang="en-US" sz="1300" dirty="0" err="1"/>
-              <a:t>aunque</a:t>
+              <a:t>establecer</a:t>
             </a:r>
             <a:r>
               <a:rPr lang="en-US" sz="1300" dirty="0"/>
@@ -5728,15 +5873,7 @@
             </a:r>
             <a:r>
               <a:rPr lang="en-US" sz="1300" dirty="0" err="1"/>
-              <a:t>este</a:t>
-            </a:r>
-            <a:r>
-              <a:rPr lang="en-US" sz="1300" dirty="0"/>
-              <a:t> paso no </a:t>
-            </a:r>
-            <a:r>
-              <a:rPr lang="en-US" sz="1300" dirty="0" err="1"/>
-              <a:t>establece</a:t>
+              <a:t>esto</a:t>
             </a:r>
             <a:r>
               <a:rPr lang="en-US" sz="1300" dirty="0"/>
@@ -5744,7 +5881,7 @@
             </a:r>
             <a:r>
               <a:rPr lang="en-US" sz="1300" dirty="0" err="1"/>
-              <a:t>su</a:t>
+              <a:t>una</a:t>
             </a:r>
             <a:r>
               <a:rPr lang="en-US" sz="1300" dirty="0"/>
@@ -5752,7 +5889,15 @@
             </a:r>
             <a:r>
               <a:rPr lang="en-US" sz="1300" dirty="0" err="1"/>
-              <a:t>desempeño</a:t>
+              <a:t>relación</a:t>
+            </a:r>
+            <a:r>
+              <a:rPr lang="en-US" sz="1300" dirty="0"/>
+              <a:t> con </a:t>
+            </a:r>
+            <a:r>
+              <a:rPr lang="en-US" sz="1300" dirty="0" err="1"/>
+              <a:t>el</a:t>
             </a:r>
             <a:r>
               <a:rPr lang="en-US" sz="1300" dirty="0"/>
@@ -5760,7 +5905,15 @@
             </a:r>
             <a:r>
               <a:rPr lang="en-US" sz="1300" dirty="0" err="1"/>
-              <a:t>predictivo</a:t>
+              <a:t>desempeño</a:t>
+            </a:r>
+            <a:r>
+              <a:rPr lang="en-US" sz="1300" dirty="0"/>
+              <a:t> predictive del </a:t>
+            </a:r>
+            <a:r>
+              <a:rPr lang="en-US" sz="1300" dirty="0" err="1"/>
+              <a:t>modelo</a:t>
             </a:r>
             <a:r>
               <a:rPr lang="en-US" sz="1300" dirty="0"/>
@@ -7114,6 +7267,258 @@
           </a:graphicData>
         </a:graphic>
       </p:graphicFrame>
+      <p:sp>
+        <p:nvSpPr>
+          <p:cNvPr id="6" name="Text 1">
+            <a:extLst>
+              <a:ext uri="{FF2B5EF4-FFF2-40B4-BE49-F238E27FC236}">
+                <a16:creationId xmlns:a16="http://schemas.microsoft.com/office/drawing/2014/main" id="{155D21BE-E205-AC49-2A87-25BCFFA34453}"/>
+              </a:ext>
+            </a:extLst>
+          </p:cNvPr>
+          <p:cNvSpPr/>
+          <p:nvPr/>
+        </p:nvSpPr>
+        <p:spPr>
+          <a:xfrm>
+            <a:off x="609600" y="3973560"/>
+            <a:ext cx="7924797" cy="560340"/>
+          </a:xfrm>
+          <a:prstGeom prst="rect">
+            <a:avLst/>
+          </a:prstGeom>
+        </p:spPr>
+        <p:txBody>
+          <a:bodyPr vert="horz" lIns="91440" tIns="45720" rIns="91440" bIns="45720" rtlCol="0" anchor="ctr">
+            <a:normAutofit fontScale="32500" lnSpcReduction="20000"/>
+          </a:bodyPr>
+          <a:lstStyle/>
+          <a:p>
+            <a:pPr algn="ctr">
+              <a:lnSpc>
+                <a:spcPct val="90000"/>
+              </a:lnSpc>
+              <a:spcAft>
+                <a:spcPts val="600"/>
+              </a:spcAft>
+            </a:pPr>
+            <a:r>
+              <a:rPr lang="en-US" sz="3400" dirty="0" err="1"/>
+              <a:t>Estas</a:t>
+            </a:r>
+            <a:r>
+              <a:rPr lang="en-US" sz="3400" dirty="0"/>
+              <a:t> </a:t>
+            </a:r>
+            <a:r>
+              <a:rPr lang="en-US" sz="3400" dirty="0" err="1"/>
+              <a:t>metricas</a:t>
+            </a:r>
+            <a:r>
+              <a:rPr lang="en-US" sz="3400" dirty="0"/>
+              <a:t> </a:t>
+            </a:r>
+            <a:r>
+              <a:rPr lang="en-US" sz="3400" dirty="0" err="1"/>
+              <a:t>nos</a:t>
+            </a:r>
+            <a:r>
+              <a:rPr lang="en-US" sz="3400" dirty="0"/>
+              <a:t> </a:t>
+            </a:r>
+            <a:r>
+              <a:rPr lang="en-US" sz="3400" dirty="0" err="1"/>
+              <a:t>entregan</a:t>
+            </a:r>
+            <a:r>
+              <a:rPr lang="en-US" sz="3400" dirty="0"/>
+              <a:t> un </a:t>
+            </a:r>
+            <a:r>
+              <a:rPr lang="en-US" sz="3400" dirty="0" err="1"/>
+              <a:t>entidimiento</a:t>
+            </a:r>
+            <a:r>
+              <a:rPr lang="en-US" sz="3400" dirty="0"/>
+              <a:t> general del </a:t>
+            </a:r>
+            <a:r>
+              <a:rPr lang="en-US" sz="3400" dirty="0" err="1"/>
+              <a:t>desempeño</a:t>
+            </a:r>
+            <a:r>
+              <a:rPr lang="en-US" sz="3400" dirty="0"/>
+              <a:t> de </a:t>
+            </a:r>
+            <a:r>
+              <a:rPr lang="en-US" sz="3400" dirty="0" err="1"/>
+              <a:t>los</a:t>
+            </a:r>
+            <a:r>
+              <a:rPr lang="en-US" sz="3400" dirty="0"/>
+              <a:t> </a:t>
+            </a:r>
+            <a:r>
+              <a:rPr lang="en-US" sz="3400" dirty="0" err="1"/>
+              <a:t>modelo</a:t>
+            </a:r>
+            <a:r>
+              <a:rPr lang="en-US" sz="3400" dirty="0"/>
+              <a:t> </a:t>
+            </a:r>
+            <a:r>
+              <a:rPr lang="en-US" sz="3400" dirty="0" err="1"/>
+              <a:t>enfocadas</a:t>
+            </a:r>
+            <a:r>
+              <a:rPr lang="en-US" sz="3400" dirty="0"/>
+              <a:t> a </a:t>
+            </a:r>
+            <a:r>
+              <a:rPr lang="en-US" sz="3400" dirty="0" err="1"/>
+              <a:t>tareas</a:t>
+            </a:r>
+            <a:r>
+              <a:rPr lang="en-US" sz="3400" dirty="0"/>
+              <a:t> de </a:t>
+            </a:r>
+            <a:r>
+              <a:rPr lang="en-US" sz="3400" dirty="0" err="1"/>
+              <a:t>clasificación</a:t>
+            </a:r>
+            <a:r>
+              <a:rPr lang="en-US" sz="3400" dirty="0"/>
+              <a:t> </a:t>
+            </a:r>
+            <a:r>
+              <a:rPr lang="en-US" sz="3400" dirty="0" err="1"/>
+              <a:t>altamente</a:t>
+            </a:r>
+            <a:r>
+              <a:rPr lang="en-US" sz="3400" dirty="0"/>
+              <a:t> </a:t>
+            </a:r>
+            <a:r>
+              <a:rPr lang="en-US" sz="3400" dirty="0" err="1"/>
+              <a:t>desbalanceadas</a:t>
+            </a:r>
+            <a:r>
+              <a:rPr lang="en-US" sz="3400" dirty="0"/>
+              <a:t>, </a:t>
+            </a:r>
+            <a:r>
+              <a:rPr lang="en-US" sz="3400" dirty="0" err="1"/>
+              <a:t>teniendo</a:t>
+            </a:r>
+            <a:r>
+              <a:rPr lang="en-US" sz="3400" dirty="0"/>
+              <a:t> </a:t>
+            </a:r>
+            <a:r>
+              <a:rPr lang="en-US" sz="3400" dirty="0" err="1"/>
+              <a:t>en</a:t>
+            </a:r>
+            <a:r>
+              <a:rPr lang="en-US" sz="3400" dirty="0"/>
+              <a:t> </a:t>
+            </a:r>
+            <a:r>
+              <a:rPr lang="en-US" sz="3400" dirty="0" err="1"/>
+              <a:t>cuenta</a:t>
+            </a:r>
+            <a:r>
+              <a:rPr lang="en-US" sz="3400" dirty="0"/>
+              <a:t> </a:t>
+            </a:r>
+            <a:r>
+              <a:rPr lang="en-US" sz="3400" dirty="0" err="1"/>
+              <a:t>esto</a:t>
+            </a:r>
+            <a:r>
+              <a:rPr lang="en-US" sz="3400" dirty="0"/>
+              <a:t>, se </a:t>
+            </a:r>
+            <a:r>
+              <a:rPr lang="en-US" sz="3400" dirty="0" err="1"/>
+              <a:t>procede</a:t>
+            </a:r>
+            <a:r>
+              <a:rPr lang="en-US" sz="3400" dirty="0"/>
+              <a:t> a </a:t>
+            </a:r>
+            <a:r>
+              <a:rPr lang="en-US" sz="3400" dirty="0" err="1"/>
+              <a:t>calcular</a:t>
+            </a:r>
+            <a:r>
+              <a:rPr lang="en-US" sz="3400" dirty="0"/>
+              <a:t> </a:t>
+            </a:r>
+            <a:r>
+              <a:rPr lang="en-US" sz="3400" dirty="0" err="1"/>
+              <a:t>el</a:t>
+            </a:r>
+            <a:r>
+              <a:rPr lang="en-US" sz="3400" dirty="0"/>
+              <a:t> lift  y </a:t>
+            </a:r>
+            <a:r>
+              <a:rPr lang="en-US" sz="3400" dirty="0" err="1"/>
+              <a:t>obtener</a:t>
+            </a:r>
+            <a:r>
+              <a:rPr lang="en-US" sz="3400" dirty="0"/>
+              <a:t> </a:t>
+            </a:r>
+            <a:r>
+              <a:rPr lang="en-US" sz="3400" dirty="0" err="1"/>
+              <a:t>los</a:t>
+            </a:r>
+            <a:r>
+              <a:rPr lang="en-US" sz="3400" dirty="0"/>
+              <a:t> KPI´s de </a:t>
+            </a:r>
+            <a:r>
+              <a:rPr lang="en-US" sz="3400" dirty="0" err="1"/>
+              <a:t>desempeño</a:t>
+            </a:r>
+            <a:r>
+              <a:rPr lang="en-US" sz="3400" dirty="0"/>
+              <a:t> </a:t>
+            </a:r>
+            <a:r>
+              <a:rPr lang="en-US" sz="3400" dirty="0" err="1"/>
+              <a:t>desde</a:t>
+            </a:r>
+            <a:r>
+              <a:rPr lang="en-US" sz="3400" dirty="0"/>
+              <a:t> </a:t>
+            </a:r>
+            <a:r>
+              <a:rPr lang="en-US" sz="3400" dirty="0" err="1"/>
+              <a:t>allí</a:t>
+            </a:r>
+            <a:r>
+              <a:rPr lang="en-US" sz="3400" dirty="0"/>
+              <a:t>.</a:t>
+            </a:r>
+          </a:p>
+          <a:p>
+            <a:pPr>
+              <a:lnSpc>
+                <a:spcPct val="90000"/>
+              </a:lnSpc>
+              <a:spcAft>
+                <a:spcPts val="600"/>
+              </a:spcAft>
+            </a:pPr>
+            <a:br>
+              <a:rPr lang="en-US" sz="1400" dirty="0"/>
+            </a:br>
+            <a:endParaRPr lang="en-US" sz="1400" dirty="0"/>
+          </a:p>
+        </p:txBody>
+      </p:sp>
     </p:spTree>
     <p:extLst>
       <p:ext uri="{BB962C8B-B14F-4D97-AF65-F5344CB8AC3E}">
@@ -7532,14 +7937,17 @@
               </a:rPr>
               <a:t>modelado</a:t>
             </a:r>
-            <a:endParaRPr lang="en-US" sz="2800" b="1" kern="1200" dirty="0">
-              <a:solidFill>
-                <a:srgbClr val="FFFFFF"/>
-              </a:solidFill>
-              <a:latin typeface="+mj-lt"/>
-              <a:ea typeface="+mj-ea"/>
-              <a:cs typeface="+mj-cs"/>
-            </a:endParaRPr>
+            <a:r>
+              <a:rPr lang="en-US" sz="2800" b="1" kern="1200" dirty="0">
+                <a:solidFill>
+                  <a:srgbClr val="FFFFFF"/>
+                </a:solidFill>
+                <a:latin typeface="+mj-lt"/>
+                <a:ea typeface="+mj-ea"/>
+                <a:cs typeface="+mj-cs"/>
+              </a:rPr>
+              <a:t>: Curva de lift</a:t>
+            </a:r>
           </a:p>
         </p:txBody>
       </p:sp>
@@ -9383,7 +9791,7 @@
             </a:r>
             <a:r>
               <a:rPr lang="es-CO" sz="800" i="1" dirty="0" err="1"/>
-              <a:t>recal</a:t>
+              <a:t>recall</a:t>
             </a:r>
             <a:r>
               <a:rPr lang="es-CO" sz="800" i="1" dirty="0"/>
@@ -9853,7 +10261,19 @@
               <a:rPr lang="es-CO" sz="1200" i="1" dirty="0">
                 <a:latin typeface="fkGroteskNeue"/>
               </a:rPr>
-              <a:t>En caso de requerirse, a continuación se presenta la arquitectura hipotética de la solución en AWS</a:t>
+              <a:t>En caso de requerirse, se presenta la arquitectura hipotética de despliegue de la solución utilizando tecnología </a:t>
+            </a:r>
+            <a:r>
+              <a:rPr lang="es-CO" sz="1200" i="1" dirty="0" err="1">
+                <a:latin typeface="fkGroteskNeue"/>
+              </a:rPr>
+              <a:t>serverless</a:t>
+            </a:r>
+            <a:r>
+              <a:rPr lang="es-CO" sz="1200" i="1" dirty="0">
+                <a:latin typeface="fkGroteskNeue"/>
+              </a:rPr>
+              <a:t> en AWS</a:t>
             </a:r>
             <a:endParaRPr lang="es-CO" sz="1200" dirty="0">
               <a:latin typeface="fkGroteskNeue"/>
